--- a/ppt/intro-to-pytest.pptx
+++ b/ppt/intro-to-pytest.pptx
@@ -236,7 +236,7 @@
           <a:p>
             <a:fld id="{412A36AD-C140-47B5-A0AA-2808AF1C1C9D}" type="datetimeFigureOut">
               <a:rPr lang="en-AU" smtClean="0"/>
-              <a:t>12/3/2025</a:t>
+              <a:t>15/4/2025</a:t>
             </a:fld>
             <a:endParaRPr lang="en-AU"/>
           </a:p>
@@ -401,7 +401,7 @@
           <a:p>
             <a:fld id="{2763829E-EB69-4A98-9D54-8D6822520B27}" type="datetimeFigureOut">
               <a:rPr lang="en-AU" smtClean="0"/>
-              <a:t>12/3/2025</a:t>
+              <a:t>15/4/2025</a:t>
             </a:fld>
             <a:endParaRPr lang="en-AU"/>
           </a:p>
@@ -10660,7 +10660,7 @@
           <a:p>
             <a:r>
               <a:rPr lang="en-AU" dirty="0"/>
-              <a:t>2025-02-04</a:t>
+              <a:t>2025-04-15</a:t>
             </a:r>
           </a:p>
         </p:txBody>
